--- a/PPT/11 MongoDB GridFS 文件系统.pptx
+++ b/PPT/11 MongoDB GridFS 文件系统.pptx
@@ -133,7 +133,7 @@
   </p:defaultTextStyle>
   <p:extLst>
     <p:ext uri="{EFAFB233-063F-42B5-8137-9DF3F51BA10A}">
-      <p15:sldGuideLst xmlns="" xmlns:p15="http://schemas.microsoft.com/office/powerpoint/2012/main">
+      <p15:sldGuideLst xmlns:p15="http://schemas.microsoft.com/office/powerpoint/2012/main" xmlns="">
         <p15:guide id="1" orient="horz" pos="4320" userDrawn="1">
           <p15:clr>
             <a:srgbClr val="A4A3A4"/>
@@ -157,7 +157,7 @@
       </p15:sldGuideLst>
     </p:ext>
     <p:ext uri="{2D200454-40CA-4A62-9FC3-DE9A4176ACB9}">
-      <p15:notesGuideLst xmlns="" xmlns:p15="http://schemas.microsoft.com/office/powerpoint/2012/main"/>
+      <p15:notesGuideLst xmlns:p15="http://schemas.microsoft.com/office/powerpoint/2012/main" xmlns=""/>
     </p:ext>
   </p:extLst>
 </p:presentation>
@@ -245,7 +245,7 @@
           <a:p>
             <a:fld id="{3724B203-4CDB-4C76-B92E-144974F5477A}" type="datetimeFigureOut">
               <a:rPr lang="zh-CN" altLang="en-US" smtClean="0"/>
-              <a:t>2019/3/13</a:t>
+              <a:t>2019/5/21</a:t>
             </a:fld>
             <a:endParaRPr lang="zh-CN" altLang="en-US"/>
           </a:p>
@@ -760,6 +760,318 @@
 </p:notes>
 </file>
 
+<file path=ppt/notesSlides/notesSlide10.xml><?xml version="1.0" encoding="utf-8"?>
+<p:notes xmlns:a="http://schemas.openxmlformats.org/drawingml/2006/main" xmlns:r="http://schemas.openxmlformats.org/officeDocument/2006/relationships" xmlns:p="http://schemas.openxmlformats.org/presentationml/2006/main">
+  <p:cSld>
+    <p:spTree>
+      <p:nvGrpSpPr>
+        <p:cNvPr id="1" name=""/>
+        <p:cNvGrpSpPr/>
+        <p:nvPr/>
+      </p:nvGrpSpPr>
+      <p:grpSpPr>
+        <a:xfrm>
+          <a:off x="0" y="0"/>
+          <a:ext cx="0" cy="0"/>
+          <a:chOff x="0" y="0"/>
+          <a:chExt cx="0" cy="0"/>
+        </a:xfrm>
+      </p:grpSpPr>
+      <p:sp>
+        <p:nvSpPr>
+          <p:cNvPr id="2" name="幻灯片图像占位符 1"/>
+          <p:cNvSpPr>
+            <a:spLocks noGrp="1" noRot="1" noChangeAspect="1"/>
+          </p:cNvSpPr>
+          <p:nvPr>
+            <p:ph type="sldImg"/>
+          </p:nvPr>
+        </p:nvSpPr>
+        <p:spPr/>
+      </p:sp>
+      <p:sp>
+        <p:nvSpPr>
+          <p:cNvPr id="3" name="备注占位符 2"/>
+          <p:cNvSpPr>
+            <a:spLocks noGrp="1"/>
+          </p:cNvSpPr>
+          <p:nvPr>
+            <p:ph type="body" idx="1"/>
+          </p:nvPr>
+        </p:nvSpPr>
+        <p:spPr/>
+        <p:txBody>
+          <a:bodyPr/>
+          <a:lstStyle/>
+          <a:p>
+            <a:r>
+              <a:rPr lang="en-US" altLang="zh-CN" dirty="0" smtClean="0"/>
+              <a:t>1</a:t>
+            </a:r>
+            <a:r>
+              <a:rPr lang="zh-CN" altLang="en-US" dirty="0" smtClean="0"/>
+              <a:t>、大多数应用需要用户上传文件，采用本机文件系统，普通的文件系统目录存储的文件数量是有限制的，</a:t>
+            </a:r>
+            <a:r>
+              <a:rPr lang="en-US" altLang="zh-CN" dirty="0" err="1" smtClean="0"/>
+              <a:t>mDB</a:t>
+            </a:r>
+            <a:r>
+              <a:rPr lang="zh-CN" altLang="en-US" dirty="0" smtClean="0"/>
+              <a:t>不需要担心这个问题</a:t>
+            </a:r>
+            <a:endParaRPr lang="en-US" altLang="zh-CN" dirty="0" smtClean="0"/>
+          </a:p>
+          <a:p>
+            <a:r>
+              <a:rPr lang="en-US" altLang="zh-CN" dirty="0" smtClean="0"/>
+              <a:t>2</a:t>
+            </a:r>
+            <a:r>
+              <a:rPr lang="zh-CN" altLang="en-US" dirty="0" smtClean="0"/>
+              <a:t>、普通的文件系统，如何复制所有的需要文件的机器上，如何复制所有的备份，删除所有的备份，怎么保证文件的安全是比较困难的</a:t>
+            </a:r>
+            <a:endParaRPr lang="en-US" altLang="zh-CN" dirty="0" smtClean="0"/>
+          </a:p>
+          <a:p>
+            <a:r>
+              <a:rPr lang="zh-CN" altLang="en-US" dirty="0" smtClean="0"/>
+              <a:t>，普通文件系统，没有自动备份和容灾机制，</a:t>
+            </a:r>
+            <a:r>
+              <a:rPr lang="en-US" altLang="zh-CN" dirty="0" err="1" smtClean="0"/>
+              <a:t>mDB</a:t>
+            </a:r>
+            <a:r>
+              <a:rPr lang="zh-CN" altLang="en-US" dirty="0" smtClean="0"/>
+              <a:t>复制集机制可以自动处理复制备份文件，分片可以将文件水平复制到多个服务器上</a:t>
+            </a:r>
+            <a:endParaRPr lang="en-US" altLang="zh-CN" dirty="0" smtClean="0"/>
+          </a:p>
+          <a:p>
+            <a:r>
+              <a:rPr lang="en-US" altLang="zh-CN" dirty="0" smtClean="0"/>
+              <a:t>3</a:t>
+            </a:r>
+            <a:r>
+              <a:rPr lang="zh-CN" altLang="en-US" dirty="0" smtClean="0"/>
+              <a:t>、</a:t>
+            </a:r>
+            <a:r>
+              <a:rPr lang="en-US" altLang="zh-CN" dirty="0" err="1" smtClean="0"/>
+              <a:t>gridFS</a:t>
+            </a:r>
+            <a:r>
+              <a:rPr lang="zh-CN" altLang="en-US" dirty="0" smtClean="0"/>
+              <a:t>支持范围查找，如果是视频文件，可以访问中间部分，无需加载整个文件到内存，只需要加载数据块，媒体类文件是很有用的，很多视频网站</a:t>
+            </a:r>
+            <a:endParaRPr lang="en-US" altLang="zh-CN" dirty="0" smtClean="0"/>
+          </a:p>
+          <a:p>
+            <a:r>
+              <a:rPr lang="zh-CN" altLang="en-US" dirty="0" smtClean="0"/>
+              <a:t>还可以极大的简化需要，</a:t>
+            </a:r>
+            <a:r>
+              <a:rPr lang="en-US" altLang="zh-CN" dirty="0" err="1" smtClean="0"/>
+              <a:t>gridFS</a:t>
+            </a:r>
+            <a:r>
+              <a:rPr lang="zh-CN" altLang="en-US" dirty="0" smtClean="0"/>
+              <a:t>不需要专门的文件存储架构，降低了开发的技术难度</a:t>
+            </a:r>
+            <a:endParaRPr lang="en-US" altLang="zh-CN" dirty="0" smtClean="0"/>
+          </a:p>
+          <a:p>
+            <a:r>
+              <a:rPr lang="zh-CN" altLang="en-US" dirty="0" smtClean="0"/>
+              <a:t>缺点：文件分散存储多个数据块，不能以原子的方式更新整体文件，如果有这样的需求，</a:t>
+            </a:r>
+            <a:r>
+              <a:rPr lang="en-US" altLang="zh-CN" dirty="0" err="1" smtClean="0"/>
+              <a:t>FS</a:t>
+            </a:r>
+            <a:r>
+              <a:rPr lang="en-US" altLang="zh-CN" dirty="0" smtClean="0"/>
+              <a:t> </a:t>
+            </a:r>
+            <a:r>
+              <a:rPr lang="zh-CN" altLang="en-US" dirty="0" smtClean="0"/>
+              <a:t>是不适合额，可以通过多版本的方式来实现，</a:t>
+            </a:r>
+            <a:r>
+              <a:rPr lang="en-US" altLang="zh-CN" sz="900" dirty="0" smtClean="0">
+                <a:solidFill>
+                  <a:schemeClr val="bg1"/>
+                </a:solidFill>
+                <a:latin typeface="Calibri" panose="020F0502020204030204" pitchFamily="34" charset="0"/>
+              </a:rPr>
+              <a:t>metadata</a:t>
+            </a:r>
+            <a:r>
+              <a:rPr lang="zh-CN" altLang="en-US" sz="900" dirty="0" smtClean="0">
+                <a:solidFill>
+                  <a:schemeClr val="bg1"/>
+                </a:solidFill>
+                <a:latin typeface="Calibri" panose="020F0502020204030204" pitchFamily="34" charset="0"/>
+              </a:rPr>
+              <a:t>存储版本号</a:t>
+            </a:r>
+            <a:endParaRPr lang="zh-CN" altLang="en-US" dirty="0"/>
+          </a:p>
+        </p:txBody>
+      </p:sp>
+    </p:spTree>
+    <p:extLst>
+      <p:ext uri="{BB962C8B-B14F-4D97-AF65-F5344CB8AC3E}">
+        <p14:creationId xmlns:p14="http://schemas.microsoft.com/office/powerpoint/2010/main" val="1948438184"/>
+      </p:ext>
+    </p:extLst>
+  </p:cSld>
+  <p:clrMapOvr>
+    <a:masterClrMapping/>
+  </p:clrMapOvr>
+</p:notes>
+</file>
+
+<file path=ppt/notesSlides/notesSlide11.xml><?xml version="1.0" encoding="utf-8"?>
+<p:notes xmlns:a="http://schemas.openxmlformats.org/drawingml/2006/main" xmlns:r="http://schemas.openxmlformats.org/officeDocument/2006/relationships" xmlns:p="http://schemas.openxmlformats.org/presentationml/2006/main">
+  <p:cSld>
+    <p:spTree>
+      <p:nvGrpSpPr>
+        <p:cNvPr id="1" name=""/>
+        <p:cNvGrpSpPr/>
+        <p:nvPr/>
+      </p:nvGrpSpPr>
+      <p:grpSpPr>
+        <a:xfrm>
+          <a:off x="0" y="0"/>
+          <a:ext cx="0" cy="0"/>
+          <a:chOff x="0" y="0"/>
+          <a:chExt cx="0" cy="0"/>
+        </a:xfrm>
+      </p:grpSpPr>
+      <p:sp>
+        <p:nvSpPr>
+          <p:cNvPr id="2" name="幻灯片图像占位符 1"/>
+          <p:cNvSpPr>
+            <a:spLocks noGrp="1" noRot="1" noChangeAspect="1"/>
+          </p:cNvSpPr>
+          <p:nvPr>
+            <p:ph type="sldImg"/>
+          </p:nvPr>
+        </p:nvSpPr>
+        <p:spPr/>
+      </p:sp>
+      <p:sp>
+        <p:nvSpPr>
+          <p:cNvPr id="3" name="备注占位符 2"/>
+          <p:cNvSpPr>
+            <a:spLocks noGrp="1"/>
+          </p:cNvSpPr>
+          <p:nvPr>
+            <p:ph type="body" idx="1"/>
+          </p:nvPr>
+        </p:nvSpPr>
+        <p:spPr/>
+        <p:txBody>
+          <a:bodyPr/>
+          <a:lstStyle/>
+          <a:p>
+            <a:r>
+              <a:rPr lang="en-US" altLang="zh-CN" dirty="0" err="1" smtClean="0"/>
+              <a:t>fs</a:t>
+            </a:r>
+            <a:r>
+              <a:rPr lang="zh-CN" altLang="en-US" dirty="0" smtClean="0"/>
+              <a:t>系统集合</a:t>
+            </a:r>
+            <a:endParaRPr lang="zh-CN" altLang="en-US" dirty="0"/>
+          </a:p>
+        </p:txBody>
+      </p:sp>
+    </p:spTree>
+    <p:extLst>
+      <p:ext uri="{BB962C8B-B14F-4D97-AF65-F5344CB8AC3E}">
+        <p14:creationId xmlns:p14="http://schemas.microsoft.com/office/powerpoint/2010/main" val="3685669530"/>
+      </p:ext>
+    </p:extLst>
+  </p:cSld>
+  <p:clrMapOvr>
+    <a:masterClrMapping/>
+  </p:clrMapOvr>
+</p:notes>
+</file>
+
+<file path=ppt/notesSlides/notesSlide12.xml><?xml version="1.0" encoding="utf-8"?>
+<p:notes xmlns:a="http://schemas.openxmlformats.org/drawingml/2006/main" xmlns:r="http://schemas.openxmlformats.org/officeDocument/2006/relationships" xmlns:p="http://schemas.openxmlformats.org/presentationml/2006/main">
+  <p:cSld>
+    <p:spTree>
+      <p:nvGrpSpPr>
+        <p:cNvPr id="1" name=""/>
+        <p:cNvGrpSpPr/>
+        <p:nvPr/>
+      </p:nvGrpSpPr>
+      <p:grpSpPr>
+        <a:xfrm>
+          <a:off x="0" y="0"/>
+          <a:ext cx="0" cy="0"/>
+          <a:chOff x="0" y="0"/>
+          <a:chExt cx="0" cy="0"/>
+        </a:xfrm>
+      </p:grpSpPr>
+      <p:sp>
+        <p:nvSpPr>
+          <p:cNvPr id="2" name="幻灯片图像占位符 1"/>
+          <p:cNvSpPr>
+            <a:spLocks noGrp="1" noRot="1" noChangeAspect="1"/>
+          </p:cNvSpPr>
+          <p:nvPr>
+            <p:ph type="sldImg"/>
+          </p:nvPr>
+        </p:nvSpPr>
+        <p:spPr/>
+      </p:sp>
+      <p:sp>
+        <p:nvSpPr>
+          <p:cNvPr id="3" name="备注占位符 2"/>
+          <p:cNvSpPr>
+            <a:spLocks noGrp="1"/>
+          </p:cNvSpPr>
+          <p:nvPr>
+            <p:ph type="body" idx="1"/>
+          </p:nvPr>
+        </p:nvSpPr>
+        <p:spPr/>
+        <p:txBody>
+          <a:bodyPr/>
+          <a:lstStyle/>
+          <a:p>
+            <a:r>
+              <a:rPr lang="en-US" altLang="zh-CN" dirty="0" err="1" smtClean="0"/>
+              <a:t>fs</a:t>
+            </a:r>
+            <a:r>
+              <a:rPr lang="zh-CN" altLang="en-US" dirty="0" smtClean="0"/>
+              <a:t>系统集合</a:t>
+            </a:r>
+            <a:endParaRPr lang="zh-CN" altLang="en-US" dirty="0"/>
+          </a:p>
+        </p:txBody>
+      </p:sp>
+    </p:spTree>
+    <p:extLst>
+      <p:ext uri="{BB962C8B-B14F-4D97-AF65-F5344CB8AC3E}">
+        <p14:creationId xmlns:p14="http://schemas.microsoft.com/office/powerpoint/2010/main" val="3685669530"/>
+      </p:ext>
+    </p:extLst>
+  </p:cSld>
+  <p:clrMapOvr>
+    <a:masterClrMapping/>
+  </p:clrMapOvr>
+</p:notes>
+</file>
+
 <file path=ppt/notesSlides/notesSlide2.xml><?xml version="1.0" encoding="utf-8"?>
 <p:notes xmlns:a="http://schemas.openxmlformats.org/drawingml/2006/main" xmlns:r="http://schemas.openxmlformats.org/officeDocument/2006/relationships" xmlns:p="http://schemas.openxmlformats.org/presentationml/2006/main">
   <p:cSld>
@@ -804,6 +1116,191 @@
           <a:bodyPr/>
           <a:lstStyle/>
           <a:p>
+            <a:r>
+              <a:rPr lang="zh-CN" altLang="en-US" dirty="0" smtClean="0"/>
+              <a:t>传统的文件系统将全部数据存储在硬盘，不足，通过单纯增加硬盘的数量来纵向扩展系统的容量。不可持续，维护成本很高</a:t>
+            </a:r>
+            <a:endParaRPr lang="en-US" altLang="zh-CN" dirty="0" smtClean="0"/>
+          </a:p>
+          <a:p>
+            <a:r>
+              <a:rPr lang="zh-CN" altLang="en-US" dirty="0" smtClean="0"/>
+              <a:t>维护成本很高</a:t>
+            </a:r>
+            <a:endParaRPr lang="en-US" altLang="zh-CN" dirty="0" smtClean="0"/>
+          </a:p>
+          <a:p>
+            <a:r>
+              <a:rPr lang="en-US" altLang="zh-CN" dirty="0" err="1" smtClean="0"/>
+              <a:t>UFS</a:t>
+            </a:r>
+            <a:r>
+              <a:rPr lang="en-US" altLang="zh-CN" dirty="0" smtClean="0"/>
+              <a:t> </a:t>
+            </a:r>
+            <a:r>
+              <a:rPr lang="en-US" altLang="zh-CN" dirty="0" err="1" smtClean="0"/>
+              <a:t>FS</a:t>
+            </a:r>
+            <a:r>
+              <a:rPr lang="zh-CN" altLang="en-US" dirty="0" smtClean="0"/>
+              <a:t>的衍化类</a:t>
+            </a:r>
+            <a:r>
+              <a:rPr lang="en-US" altLang="zh-CN" dirty="0" err="1" smtClean="0"/>
+              <a:t>unix</a:t>
+            </a:r>
+            <a:r>
+              <a:rPr lang="zh-CN" altLang="en-US" dirty="0" smtClean="0"/>
+              <a:t>默认的文件系统</a:t>
+            </a:r>
+            <a:endParaRPr lang="en-US" altLang="zh-CN" dirty="0" smtClean="0"/>
+          </a:p>
+          <a:p>
+            <a:r>
+              <a:rPr lang="en-US" altLang="zh-CN" sz="900" dirty="0" smtClean="0">
+                <a:solidFill>
+                  <a:schemeClr val="bg1"/>
+                </a:solidFill>
+                <a:latin typeface="宋体" panose="02010600030101010101" pitchFamily="2" charset="-122"/>
+                <a:ea typeface="宋体" panose="02010600030101010101" pitchFamily="2" charset="-122"/>
+              </a:rPr>
+              <a:t>EXT </a:t>
+            </a:r>
+            <a:r>
+              <a:rPr lang="en-US" altLang="zh-CN" sz="900" dirty="0" err="1" smtClean="0">
+                <a:solidFill>
+                  <a:schemeClr val="bg1"/>
+                </a:solidFill>
+                <a:latin typeface="宋体" panose="02010600030101010101" pitchFamily="2" charset="-122"/>
+                <a:ea typeface="宋体" panose="02010600030101010101" pitchFamily="2" charset="-122"/>
+              </a:rPr>
+              <a:t>linux</a:t>
+            </a:r>
+            <a:r>
+              <a:rPr lang="zh-CN" altLang="en-US" sz="900" dirty="0" smtClean="0">
+                <a:solidFill>
+                  <a:schemeClr val="bg1"/>
+                </a:solidFill>
+                <a:latin typeface="宋体" panose="02010600030101010101" pitchFamily="2" charset="-122"/>
+                <a:ea typeface="宋体" panose="02010600030101010101" pitchFamily="2" charset="-122"/>
+              </a:rPr>
+              <a:t>设计的最快的速度，最小的</a:t>
+            </a:r>
+            <a:r>
+              <a:rPr lang="en-US" altLang="zh-CN" sz="900" dirty="0" smtClean="0">
+                <a:solidFill>
+                  <a:schemeClr val="bg1"/>
+                </a:solidFill>
+                <a:latin typeface="宋体" panose="02010600030101010101" pitchFamily="2" charset="-122"/>
+                <a:ea typeface="宋体" panose="02010600030101010101" pitchFamily="2" charset="-122"/>
+              </a:rPr>
+              <a:t>CPU</a:t>
+            </a:r>
+            <a:r>
+              <a:rPr lang="zh-CN" altLang="en-US" sz="900" dirty="0" smtClean="0">
+                <a:solidFill>
+                  <a:schemeClr val="bg1"/>
+                </a:solidFill>
+                <a:latin typeface="宋体" panose="02010600030101010101" pitchFamily="2" charset="-122"/>
+                <a:ea typeface="宋体" panose="02010600030101010101" pitchFamily="2" charset="-122"/>
+              </a:rPr>
+              <a:t>和内存占用率，第一个利用虚拟内存实现的文件系统</a:t>
+            </a:r>
+            <a:endParaRPr lang="en-US" altLang="zh-CN" sz="900" dirty="0" smtClean="0">
+              <a:solidFill>
+                <a:schemeClr val="bg1"/>
+              </a:solidFill>
+              <a:latin typeface="宋体" panose="02010600030101010101" pitchFamily="2" charset="-122"/>
+              <a:ea typeface="宋体" panose="02010600030101010101" pitchFamily="2" charset="-122"/>
+            </a:endParaRPr>
+          </a:p>
+          <a:p>
+            <a:r>
+              <a:rPr lang="en-US" altLang="zh-CN" sz="900" dirty="0" err="1" smtClean="0">
+                <a:solidFill>
+                  <a:schemeClr val="bg1"/>
+                </a:solidFill>
+                <a:latin typeface="宋体" panose="02010600030101010101" pitchFamily="2" charset="-122"/>
+                <a:ea typeface="宋体" panose="02010600030101010101" pitchFamily="2" charset="-122"/>
+              </a:rPr>
+              <a:t>NTFS</a:t>
+            </a:r>
+            <a:r>
+              <a:rPr lang="en-US" altLang="zh-CN" sz="900" dirty="0" smtClean="0">
+                <a:solidFill>
+                  <a:schemeClr val="bg1"/>
+                </a:solidFill>
+                <a:latin typeface="宋体" panose="02010600030101010101" pitchFamily="2" charset="-122"/>
+                <a:ea typeface="宋体" panose="02010600030101010101" pitchFamily="2" charset="-122"/>
+              </a:rPr>
+              <a:t> windows NT </a:t>
+            </a:r>
+            <a:r>
+              <a:rPr lang="zh-CN" altLang="en-US" sz="900" dirty="0" smtClean="0">
+                <a:solidFill>
+                  <a:schemeClr val="bg1"/>
+                </a:solidFill>
+                <a:latin typeface="宋体" panose="02010600030101010101" pitchFamily="2" charset="-122"/>
+                <a:ea typeface="宋体" panose="02010600030101010101" pitchFamily="2" charset="-122"/>
+              </a:rPr>
+              <a:t>的文件系统，取代了</a:t>
+            </a:r>
+            <a:r>
+              <a:rPr lang="en-US" altLang="zh-CN" sz="900" dirty="0" smtClean="0">
+                <a:solidFill>
+                  <a:schemeClr val="bg1"/>
+                </a:solidFill>
+                <a:latin typeface="宋体" panose="02010600030101010101" pitchFamily="2" charset="-122"/>
+                <a:ea typeface="宋体" panose="02010600030101010101" pitchFamily="2" charset="-122"/>
+              </a:rPr>
+              <a:t>FAT</a:t>
+            </a:r>
+            <a:r>
+              <a:rPr lang="zh-CN" altLang="en-US" sz="900" dirty="0" smtClean="0">
+                <a:solidFill>
+                  <a:schemeClr val="bg1"/>
+                </a:solidFill>
+                <a:latin typeface="宋体" panose="02010600030101010101" pitchFamily="2" charset="-122"/>
+                <a:ea typeface="宋体" panose="02010600030101010101" pitchFamily="2" charset="-122"/>
+              </a:rPr>
+              <a:t>文件系统，性能，可靠性和磁盘利用率有了很大提升</a:t>
+            </a:r>
+            <a:endParaRPr lang="en-US" altLang="zh-CN" sz="900" dirty="0" smtClean="0">
+              <a:solidFill>
+                <a:schemeClr val="bg1"/>
+              </a:solidFill>
+              <a:latin typeface="宋体" panose="02010600030101010101" pitchFamily="2" charset="-122"/>
+              <a:ea typeface="宋体" panose="02010600030101010101" pitchFamily="2" charset="-122"/>
+            </a:endParaRPr>
+          </a:p>
+          <a:p>
+            <a:r>
+              <a:rPr lang="zh-CN" altLang="en-US" sz="900" dirty="0" smtClean="0">
+                <a:solidFill>
+                  <a:schemeClr val="bg1"/>
+                </a:solidFill>
+                <a:latin typeface="宋体" panose="02010600030101010101" pitchFamily="2" charset="-122"/>
+                <a:ea typeface="宋体" panose="02010600030101010101" pitchFamily="2" charset="-122"/>
+              </a:rPr>
+              <a:t>以上都是单机文件系统，也称之为本地文件系统，本地磁盘，处理器通过数据总线就可以访问</a:t>
+            </a:r>
+            <a:endParaRPr lang="en-US" altLang="zh-CN" sz="900" dirty="0" smtClean="0">
+              <a:solidFill>
+                <a:schemeClr val="bg1"/>
+              </a:solidFill>
+              <a:latin typeface="宋体" panose="02010600030101010101" pitchFamily="2" charset="-122"/>
+              <a:ea typeface="宋体" panose="02010600030101010101" pitchFamily="2" charset="-122"/>
+            </a:endParaRPr>
+          </a:p>
+          <a:p>
+            <a:endParaRPr lang="en-US" altLang="zh-CN" dirty="0" smtClean="0"/>
+          </a:p>
+          <a:p>
+            <a:r>
+              <a:rPr lang="zh-CN" altLang="en-US" dirty="0" smtClean="0"/>
+              <a:t>随着互联网，物联网的发展，应用产生的数据量成指数增长，传统的数据存储方式在存储容量，数据备份，运维成本，数据安全无法满足新的环境需求。人们开始存储新的数据模式，分布式出现了</a:t>
+            </a:r>
             <a:endParaRPr lang="zh-CN" altLang="en-US" dirty="0"/>
           </a:p>
         </p:txBody>
@@ -865,6 +1362,53 @@
           <a:bodyPr/>
           <a:lstStyle/>
           <a:p>
+            <a:pPr marL="0" marR="0" indent="0" defTabSz="171450" eaLnBrk="1" fontAlgn="auto" latinLnBrk="0" hangingPunct="1">
+              <a:lnSpc>
+                <a:spcPct val="125000"/>
+              </a:lnSpc>
+              <a:spcBef>
+                <a:spcPts val="0"/>
+              </a:spcBef>
+              <a:spcAft>
+                <a:spcPts val="0"/>
+              </a:spcAft>
+              <a:buClrTx/>
+              <a:buSzTx/>
+              <a:buFontTx/>
+              <a:buNone/>
+              <a:tabLst/>
+              <a:defRPr/>
+            </a:pPr>
+            <a:r>
+              <a:rPr lang="zh-CN" altLang="en-US" dirty="0" smtClean="0"/>
+              <a:t>分布式可以有效的解决存储和管理难题，与传统的采用纵向方式不同，</a:t>
+            </a:r>
+            <a:r>
+              <a:rPr lang="zh-CN" altLang="en-US" sz="900" dirty="0" smtClean="0">
+                <a:solidFill>
+                  <a:schemeClr val="bg1"/>
+                </a:solidFill>
+                <a:latin typeface="宋体" panose="02010600030101010101" pitchFamily="2" charset="-122"/>
+                <a:ea typeface="宋体" panose="02010600030101010101" pitchFamily="2" charset="-122"/>
+              </a:rPr>
+              <a:t>分布式文件系统，将固定存储于单台机器上的文件系统，扩展到多台机器上，每个节点负责存储部分数据，众多的存储节点组成一个文件系统网络，各个节点之间通过网络进行通信和数据传输。</a:t>
+            </a:r>
+          </a:p>
+          <a:p>
+            <a:r>
+              <a:rPr lang="zh-CN" altLang="en-US" dirty="0" smtClean="0"/>
+              <a:t>分布式通过简单的增加机器，就可以增加系统容量，实现了存储能力的水平扩展。而且可以存储多个副本，不仅提高了安全性，而且可以提高了读取速度，对用户是透明的，用户不需要关心存储在哪个节点上，从哪个节点获取，向传统的方式一样。</a:t>
+            </a:r>
+            <a:endParaRPr lang="en-US" altLang="zh-CN" dirty="0" smtClean="0"/>
+          </a:p>
+          <a:p>
+            <a:r>
+              <a:rPr lang="zh-CN" altLang="en-US" dirty="0" smtClean="0"/>
+              <a:t>高可用性，运维成本都具有很大的优势</a:t>
+            </a:r>
+            <a:endParaRPr lang="en-US" altLang="zh-CN" dirty="0" smtClean="0"/>
+          </a:p>
+          <a:p>
             <a:endParaRPr lang="zh-CN" altLang="en-US" dirty="0"/>
           </a:p>
         </p:txBody>
@@ -926,6 +1470,376 @@
           <a:bodyPr/>
           <a:lstStyle/>
           <a:p>
+            <a:r>
+              <a:rPr lang="zh-CN" altLang="en-US" dirty="0" smtClean="0"/>
+              <a:t>还有</a:t>
+            </a:r>
+            <a:r>
+              <a:rPr lang="en-US" altLang="zh-CN" dirty="0" err="1" smtClean="0"/>
+              <a:t>gridFS</a:t>
+            </a:r>
+            <a:endParaRPr lang="en-US" altLang="zh-CN" dirty="0" smtClean="0"/>
+          </a:p>
+          <a:p>
+            <a:r>
+              <a:rPr lang="en-US" altLang="zh-CN" dirty="0" err="1" smtClean="0"/>
+              <a:t>NFS</a:t>
+            </a:r>
+            <a:r>
+              <a:rPr lang="en-US" altLang="zh-CN" dirty="0" smtClean="0"/>
+              <a:t>  SUN</a:t>
+            </a:r>
+            <a:r>
+              <a:rPr lang="en-US" altLang="zh-CN" baseline="0" dirty="0" smtClean="0"/>
+              <a:t> 1984</a:t>
+            </a:r>
+            <a:r>
+              <a:rPr lang="zh-CN" altLang="en-US" baseline="0" dirty="0" smtClean="0"/>
+              <a:t>年提出，使用远程文件时，可以使用</a:t>
+            </a:r>
+            <a:r>
+              <a:rPr lang="en-US" altLang="zh-CN" baseline="0" dirty="0" err="1" smtClean="0"/>
+              <a:t>m</a:t>
+            </a:r>
+            <a:r>
+              <a:rPr lang="en-US" altLang="zh-CN" dirty="0" err="1" smtClean="0"/>
+              <a:t>ountd</a:t>
+            </a:r>
+            <a:r>
+              <a:rPr lang="zh-CN" altLang="en-US" dirty="0" smtClean="0"/>
+              <a:t>命令把远程文件系统安装到本地文件系统之下，本地的</a:t>
+            </a:r>
+            <a:r>
+              <a:rPr lang="en-US" altLang="zh-CN" dirty="0" err="1" smtClean="0"/>
+              <a:t>NFS</a:t>
+            </a:r>
+            <a:r>
+              <a:rPr lang="zh-CN" altLang="en-US" dirty="0" smtClean="0"/>
+              <a:t>客户端应用既可以透明的读取位于远程</a:t>
+            </a:r>
+            <a:r>
+              <a:rPr lang="en-US" altLang="zh-CN" dirty="0" err="1" smtClean="0"/>
+              <a:t>NFS</a:t>
+            </a:r>
+            <a:r>
+              <a:rPr lang="zh-CN" altLang="en-US" dirty="0" smtClean="0"/>
+              <a:t>服务器上的文件，就像访问本地文件一样</a:t>
+            </a:r>
+            <a:endParaRPr lang="en-US" altLang="zh-CN" dirty="0" smtClean="0"/>
+          </a:p>
+          <a:p>
+            <a:r>
+              <a:rPr lang="en-US" altLang="zh-CN" dirty="0" err="1" smtClean="0"/>
+              <a:t>HDFS</a:t>
+            </a:r>
+            <a:r>
+              <a:rPr lang="en-US" altLang="zh-CN" dirty="0" smtClean="0"/>
+              <a:t> apache</a:t>
+            </a:r>
+            <a:r>
+              <a:rPr lang="zh-CN" altLang="en-US" dirty="0" smtClean="0"/>
+              <a:t>基金会</a:t>
+            </a:r>
+            <a:r>
+              <a:rPr lang="zh-CN" altLang="en-US" baseline="0" dirty="0" smtClean="0"/>
+              <a:t>的一个开源项目，</a:t>
+            </a:r>
+            <a:r>
+              <a:rPr lang="en-US" altLang="zh-CN" baseline="0" dirty="0" err="1" smtClean="0"/>
+              <a:t>Hdoop</a:t>
+            </a:r>
+            <a:r>
+              <a:rPr lang="zh-CN" altLang="en-US" baseline="0" dirty="0" smtClean="0"/>
+              <a:t>项目的核心子项目，</a:t>
+            </a:r>
+            <a:r>
+              <a:rPr lang="zh-CN" altLang="en-US" dirty="0" smtClean="0"/>
+              <a:t>使用</a:t>
+            </a:r>
+            <a:r>
+              <a:rPr lang="en-US" altLang="zh-CN" dirty="0" smtClean="0"/>
+              <a:t>java</a:t>
+            </a:r>
+            <a:r>
+              <a:rPr lang="zh-CN" altLang="en-US" dirty="0" smtClean="0"/>
+              <a:t>开发</a:t>
+            </a:r>
+            <a:r>
+              <a:rPr lang="en-US" altLang="zh-CN" dirty="0" smtClean="0"/>
+              <a:t>,</a:t>
+            </a:r>
+            <a:r>
+              <a:rPr lang="zh-CN" altLang="en-US" dirty="0" smtClean="0"/>
+              <a:t>使得</a:t>
+            </a:r>
+            <a:r>
+              <a:rPr lang="en-US" altLang="zh-CN" dirty="0" err="1" smtClean="0"/>
+              <a:t>HDFS</a:t>
+            </a:r>
+            <a:r>
+              <a:rPr lang="zh-CN" altLang="en-US" dirty="0" smtClean="0"/>
+              <a:t>可以部署到多种机器上，可以看做</a:t>
+            </a:r>
+            <a:r>
+              <a:rPr lang="en-US" altLang="zh-CN" dirty="0" err="1" smtClean="0"/>
+              <a:t>google</a:t>
+            </a:r>
+            <a:r>
+              <a:rPr lang="zh-CN" altLang="en-US" dirty="0" smtClean="0"/>
+              <a:t>文件系统</a:t>
+            </a:r>
+            <a:r>
+              <a:rPr lang="en-US" altLang="zh-CN" dirty="0" err="1" smtClean="0"/>
+              <a:t>GFS</a:t>
+            </a:r>
+            <a:r>
+              <a:rPr lang="zh-CN" altLang="en-US" dirty="0" smtClean="0"/>
+              <a:t>的开源实现，设计结构理念与</a:t>
+            </a:r>
+            <a:r>
+              <a:rPr lang="en-US" altLang="zh-CN" dirty="0" err="1" smtClean="0"/>
+              <a:t>GFS</a:t>
+            </a:r>
+            <a:r>
+              <a:rPr lang="zh-CN" altLang="en-US" dirty="0" smtClean="0"/>
+              <a:t>一脉相承，都采用了主从架构设计，一个</a:t>
+            </a:r>
+            <a:r>
+              <a:rPr lang="en-US" altLang="zh-CN" dirty="0" err="1" smtClean="0"/>
+              <a:t>HDFS</a:t>
+            </a:r>
+            <a:r>
+              <a:rPr lang="zh-CN" altLang="en-US" dirty="0" smtClean="0"/>
+              <a:t>集群由一个</a:t>
+            </a:r>
+            <a:r>
+              <a:rPr lang="en-US" altLang="zh-CN" dirty="0" smtClean="0"/>
+              <a:t>master</a:t>
+            </a:r>
+            <a:r>
+              <a:rPr lang="zh-CN" altLang="en-US" dirty="0" smtClean="0"/>
+              <a:t>和多个</a:t>
+            </a:r>
+            <a:r>
+              <a:rPr lang="en-US" altLang="zh-CN" dirty="0" smtClean="0"/>
+              <a:t>slave</a:t>
+            </a:r>
+            <a:r>
+              <a:rPr lang="zh-CN" altLang="en-US" dirty="0" smtClean="0"/>
+              <a:t>组成</a:t>
+            </a:r>
+            <a:endParaRPr lang="en-US" altLang="zh-CN" dirty="0" smtClean="0"/>
+          </a:p>
+          <a:p>
+            <a:r>
+              <a:rPr lang="en-US" altLang="zh-CN" dirty="0" smtClean="0"/>
+              <a:t>master</a:t>
+            </a:r>
+            <a:r>
+              <a:rPr lang="zh-CN" altLang="en-US" dirty="0" smtClean="0"/>
+              <a:t>是中心服务器，负责管理客户端的对文件的访问</a:t>
+            </a:r>
+            <a:endParaRPr lang="en-US" altLang="zh-CN" dirty="0" smtClean="0"/>
+          </a:p>
+          <a:p>
+            <a:r>
+              <a:rPr lang="en-US" altLang="zh-CN" dirty="0" smtClean="0"/>
+              <a:t>slave</a:t>
+            </a:r>
+            <a:r>
+              <a:rPr lang="zh-CN" altLang="en-US" dirty="0" smtClean="0"/>
+              <a:t>负责所在节点存储数据，</a:t>
+            </a:r>
+            <a:r>
+              <a:rPr lang="en-US" altLang="zh-CN" dirty="0" err="1" smtClean="0"/>
+              <a:t>HDFS</a:t>
+            </a:r>
+            <a:r>
+              <a:rPr lang="zh-CN" altLang="en-US" dirty="0" smtClean="0"/>
+              <a:t>运行普通廉价硬件之上，提供容错功能，提供高性能数据访问服务</a:t>
+            </a:r>
+            <a:endParaRPr lang="en-US" altLang="zh-CN" dirty="0" smtClean="0"/>
+          </a:p>
+          <a:p>
+            <a:r>
+              <a:rPr lang="zh-CN" altLang="en-US" dirty="0" smtClean="0"/>
+              <a:t>在</a:t>
+            </a:r>
+            <a:r>
+              <a:rPr lang="en-US" altLang="zh-CN" dirty="0" err="1" smtClean="0"/>
+              <a:t>HDFS</a:t>
+            </a:r>
+            <a:r>
+              <a:rPr lang="zh-CN" altLang="en-US" dirty="0" smtClean="0"/>
+              <a:t>之上开发了</a:t>
+            </a:r>
+            <a:r>
+              <a:rPr lang="en-US" altLang="zh-CN" dirty="0" err="1" smtClean="0"/>
+              <a:t>mapReduce</a:t>
+            </a:r>
+            <a:r>
+              <a:rPr lang="zh-CN" altLang="en-US" dirty="0" smtClean="0"/>
+              <a:t>并行编程模型，用于大数据的批量操作，所以</a:t>
+            </a:r>
+            <a:r>
+              <a:rPr lang="en-US" altLang="zh-CN" dirty="0" err="1" smtClean="0"/>
+              <a:t>hadoop</a:t>
+            </a:r>
+            <a:r>
+              <a:rPr lang="zh-CN" altLang="en-US" dirty="0" smtClean="0"/>
+              <a:t>既解决了海量数据的存储问题，又解决了大数据的处理问题</a:t>
+            </a:r>
+            <a:endParaRPr lang="en-US" altLang="zh-CN" dirty="0" smtClean="0"/>
+          </a:p>
+          <a:p>
+            <a:r>
+              <a:rPr lang="en-US" altLang="zh-CN" dirty="0" err="1" smtClean="0"/>
+              <a:t>TFS</a:t>
+            </a:r>
+            <a:r>
+              <a:rPr lang="en-US" altLang="zh-CN" dirty="0" smtClean="0"/>
+              <a:t> </a:t>
+            </a:r>
+            <a:r>
+              <a:rPr lang="zh-CN" altLang="en-US" dirty="0" smtClean="0"/>
+              <a:t>阿里巴巴的高扩展，高性能，面向互联网服务的分布式文件系统，为淘宝提供海量小文件存储，不超过</a:t>
+            </a:r>
+            <a:r>
+              <a:rPr lang="en-US" altLang="zh-CN" dirty="0" smtClean="0"/>
+              <a:t>1M</a:t>
+            </a:r>
+            <a:r>
+              <a:rPr lang="zh-CN" altLang="en-US" dirty="0" smtClean="0"/>
+              <a:t>，采用</a:t>
+            </a:r>
+            <a:r>
+              <a:rPr lang="en-US" altLang="zh-CN" dirty="0" smtClean="0"/>
+              <a:t>C++</a:t>
+            </a:r>
+            <a:r>
+              <a:rPr lang="zh-CN" altLang="en-US" dirty="0" smtClean="0"/>
+              <a:t>开发，数据存储结构采用扁平化存储，文件名可以直接映射到物理地址，极大简化了文件的访问流程，一定程度提高了读写性能</a:t>
+            </a:r>
+            <a:endParaRPr lang="en-US" altLang="zh-CN" dirty="0" smtClean="0"/>
+          </a:p>
+          <a:p>
+            <a:endParaRPr lang="en-US" altLang="zh-CN" dirty="0" smtClean="0"/>
+          </a:p>
+          <a:p>
+            <a:r>
+              <a:rPr lang="en-US" altLang="zh-CN" dirty="0" err="1" smtClean="0"/>
+              <a:t>FastDFS</a:t>
+            </a:r>
+            <a:r>
+              <a:rPr lang="en-US" altLang="zh-CN" dirty="0" smtClean="0"/>
+              <a:t> </a:t>
+            </a:r>
+            <a:r>
+              <a:rPr lang="zh-CN" altLang="en-US" dirty="0" smtClean="0"/>
+              <a:t>开源的轻量级的分布式文件系统，整个系统由跟踪服务器，存储服务器，客户端三部分组成，对文件存储、管理、访问等操作，解决了大数据量存储和负载均衡的问题，适合以文件为载体的在线服务，相册网站，视频网站等，纯</a:t>
+            </a:r>
+            <a:r>
+              <a:rPr lang="en-US" altLang="zh-CN" dirty="0" smtClean="0"/>
+              <a:t>C</a:t>
+            </a:r>
+            <a:r>
+              <a:rPr lang="zh-CN" altLang="en-US" dirty="0" smtClean="0"/>
+              <a:t>语言开发，跟踪服务器，与前面三种不同，</a:t>
+            </a:r>
+            <a:r>
+              <a:rPr lang="en-US" altLang="zh-CN" dirty="0" err="1" smtClean="0"/>
+              <a:t>FastDFS</a:t>
+            </a:r>
+            <a:r>
+              <a:rPr lang="zh-CN" altLang="en-US" dirty="0" smtClean="0"/>
+              <a:t>跟踪服务器，存储服务器采用对等架构设计，与主从相比，对等架构中所有节点的定位是相同的，每个节点都是</a:t>
+            </a:r>
+            <a:r>
+              <a:rPr lang="en-US" altLang="zh-CN" dirty="0" smtClean="0"/>
+              <a:t>Master</a:t>
+            </a:r>
+            <a:r>
+              <a:rPr lang="zh-CN" altLang="en-US" dirty="0" smtClean="0"/>
+              <a:t>，除此之外，</a:t>
+            </a:r>
+            <a:r>
+              <a:rPr lang="en-US" altLang="zh-CN" dirty="0" err="1" smtClean="0"/>
+              <a:t>FastDFS</a:t>
+            </a:r>
+            <a:r>
+              <a:rPr lang="zh-CN" altLang="en-US" dirty="0" smtClean="0"/>
+              <a:t>不会采用分块存储，存储更加简洁高效，能够满足大多数互联网的实际需求。</a:t>
+            </a:r>
+            <a:r>
+              <a:rPr lang="en-US" altLang="zh-CN" dirty="0" err="1" smtClean="0"/>
+              <a:t>FastDFS</a:t>
+            </a:r>
+            <a:r>
+              <a:rPr lang="zh-CN" altLang="en-US" dirty="0" smtClean="0"/>
+              <a:t>客户端上传文件，文件</a:t>
+            </a:r>
+            <a:r>
+              <a:rPr lang="en-US" altLang="zh-CN" dirty="0" smtClean="0"/>
+              <a:t>ID</a:t>
+            </a:r>
+            <a:r>
+              <a:rPr lang="zh-CN" altLang="en-US" dirty="0" smtClean="0"/>
+              <a:t>不是由客户端指定，而是由存储服务器生成，返回给客户端。文件</a:t>
+            </a:r>
+            <a:r>
+              <a:rPr lang="en-US" altLang="zh-CN" dirty="0" smtClean="0"/>
+              <a:t>ID</a:t>
+            </a:r>
+            <a:r>
+              <a:rPr lang="zh-CN" altLang="en-US" dirty="0" smtClean="0"/>
+              <a:t>包含了组名，相对路径，文件名。存储服务器可以根据</a:t>
+            </a:r>
+            <a:r>
+              <a:rPr lang="en-US" altLang="zh-CN" dirty="0" smtClean="0"/>
+              <a:t>ID</a:t>
+            </a:r>
+            <a:r>
+              <a:rPr lang="zh-CN" altLang="en-US" dirty="0" smtClean="0"/>
+              <a:t>直接定位到文件，</a:t>
+            </a:r>
+            <a:r>
+              <a:rPr lang="en-US" altLang="zh-CN" dirty="0" err="1" smtClean="0"/>
+              <a:t>FastDFS</a:t>
+            </a:r>
+            <a:r>
+              <a:rPr lang="zh-CN" altLang="en-US" dirty="0" smtClean="0"/>
+              <a:t>根本不需要存储文件索引信息</a:t>
+            </a:r>
+            <a:endParaRPr lang="en-US" altLang="zh-CN" dirty="0" smtClean="0"/>
+          </a:p>
+          <a:p>
+            <a:r>
+              <a:rPr lang="en-US" altLang="zh-CN" dirty="0" err="1" smtClean="0"/>
+              <a:t>GridFS</a:t>
+            </a:r>
+            <a:r>
+              <a:rPr lang="zh-CN" altLang="en-US" dirty="0" smtClean="0"/>
+              <a:t>是</a:t>
+            </a:r>
+            <a:r>
+              <a:rPr lang="en-US" altLang="zh-CN" dirty="0" err="1" smtClean="0"/>
+              <a:t>MongoDB</a:t>
+            </a:r>
+            <a:r>
+              <a:rPr lang="zh-CN" altLang="en-US" dirty="0" smtClean="0"/>
+              <a:t>针对大数据提出的解决方案，严格的说，算不上分布式文件系统，只是可以使用它实现与分布式文件系统等同</a:t>
+            </a:r>
+            <a:r>
+              <a:rPr lang="zh-CN" altLang="en-US" baseline="0" dirty="0" smtClean="0"/>
+              <a:t>的功能</a:t>
+            </a:r>
+            <a:endParaRPr lang="en-US" altLang="zh-CN" baseline="0" dirty="0" smtClean="0"/>
+          </a:p>
+          <a:p>
+            <a:r>
+              <a:rPr lang="zh-CN" altLang="en-US" baseline="0" dirty="0" smtClean="0"/>
+              <a:t>以上这些共性：才有把原数据与数据的存储相分离，原数据存储在主控节点，用于转发路由请求，数据节点存储分割后的数据块。这样提高了系统的扩展性。</a:t>
+            </a:r>
             <a:endParaRPr lang="zh-CN" altLang="en-US" dirty="0"/>
           </a:p>
         </p:txBody>
@@ -994,7 +1908,7 @@
     </p:spTree>
     <p:extLst>
       <p:ext uri="{BB962C8B-B14F-4D97-AF65-F5344CB8AC3E}">
-        <p14:creationId xmlns:p14="http://schemas.microsoft.com/office/powerpoint/2010/main" val="2012354171"/>
+        <p14:creationId xmlns:p14="http://schemas.microsoft.com/office/powerpoint/2010/main" val="1312256423"/>
       </p:ext>
     </p:extLst>
   </p:cSld>
@@ -1048,6 +1962,188 @@
           <a:bodyPr/>
           <a:lstStyle/>
           <a:p>
+            <a:r>
+              <a:rPr lang="zh-CN" altLang="en-US" dirty="0" smtClean="0"/>
+              <a:t>单个</a:t>
+            </a:r>
+            <a:r>
+              <a:rPr lang="en-US" altLang="zh-CN" dirty="0" err="1" smtClean="0"/>
+              <a:t>BSON</a:t>
+            </a:r>
+            <a:r>
+              <a:rPr lang="zh-CN" altLang="en-US" dirty="0" smtClean="0"/>
+              <a:t>文档最大</a:t>
+            </a:r>
+            <a:r>
+              <a:rPr lang="en-US" altLang="zh-CN" dirty="0" smtClean="0"/>
+              <a:t>16M</a:t>
+            </a:r>
+            <a:r>
+              <a:rPr lang="zh-CN" altLang="en-US" dirty="0" smtClean="0"/>
+              <a:t>，是为了避免单个文档占用过大的内存，避免传输过程中占用大量的带宽。</a:t>
+            </a:r>
+            <a:r>
+              <a:rPr lang="en-US" altLang="zh-CN" dirty="0" smtClean="0"/>
+              <a:t>16M</a:t>
+            </a:r>
+            <a:r>
+              <a:rPr lang="zh-CN" altLang="en-US" dirty="0" smtClean="0"/>
+              <a:t>是数据库保持比较高的性能水平</a:t>
+            </a:r>
+            <a:endParaRPr lang="en-US" altLang="zh-CN" dirty="0" smtClean="0"/>
+          </a:p>
+          <a:p>
+            <a:r>
+              <a:rPr lang="zh-CN" altLang="en-US" dirty="0" smtClean="0"/>
+              <a:t>超过</a:t>
+            </a:r>
+            <a:r>
+              <a:rPr lang="en-US" altLang="zh-CN" dirty="0" smtClean="0"/>
+              <a:t>16M</a:t>
+            </a:r>
+            <a:r>
+              <a:rPr lang="zh-CN" altLang="en-US" dirty="0" smtClean="0"/>
+              <a:t>，可以使用</a:t>
+            </a:r>
+            <a:r>
+              <a:rPr lang="en-US" altLang="zh-CN" dirty="0" err="1" smtClean="0"/>
+              <a:t>GridFS</a:t>
+            </a:r>
+            <a:r>
+              <a:rPr lang="zh-CN" altLang="en-US" dirty="0" smtClean="0"/>
+              <a:t>来存储文件，存储音频、视频等。</a:t>
+            </a:r>
+            <a:endParaRPr lang="en-US" altLang="zh-CN" dirty="0" smtClean="0"/>
+          </a:p>
+          <a:p>
+            <a:r>
+              <a:rPr lang="zh-CN" altLang="en-US" dirty="0" smtClean="0"/>
+              <a:t>需要说明的是，这些驱动程序按照</a:t>
+            </a:r>
+            <a:r>
+              <a:rPr lang="en-US" altLang="zh-CN" dirty="0" err="1" smtClean="0"/>
+              <a:t>MongoDB</a:t>
+            </a:r>
+            <a:r>
+              <a:rPr lang="zh-CN" altLang="en-US" dirty="0" smtClean="0"/>
+              <a:t>提供的规范来处理相应代码，从而完成大文件的存储检索。</a:t>
+            </a:r>
+            <a:endParaRPr lang="en-US" altLang="zh-CN" dirty="0" smtClean="0"/>
+          </a:p>
+          <a:p>
+            <a:r>
+              <a:rPr lang="zh-CN" altLang="en-US" dirty="0" smtClean="0"/>
+              <a:t>上传文件时，数据块的分割合并都是由客户端各语言的驱动程序来完成的；服务端，用户上传的数据被当做普通的文档进行存储</a:t>
+            </a:r>
+            <a:endParaRPr lang="en-US" altLang="zh-CN" dirty="0" smtClean="0"/>
+          </a:p>
+          <a:p>
+            <a:r>
+              <a:rPr lang="zh-CN" altLang="en-US" dirty="0" smtClean="0"/>
+              <a:t>应用程序来处理完成的</a:t>
+            </a:r>
+            <a:endParaRPr lang="en-US" altLang="zh-CN" dirty="0" smtClean="0"/>
+          </a:p>
+          <a:p>
+            <a:r>
+              <a:rPr lang="zh-CN" altLang="en-US" dirty="0" smtClean="0"/>
+              <a:t>查询时，数据块被当做普通文档返回。</a:t>
+            </a:r>
+            <a:r>
+              <a:rPr lang="en-US" altLang="zh-CN" dirty="0" err="1" smtClean="0"/>
+              <a:t>GridFS</a:t>
+            </a:r>
+            <a:r>
+              <a:rPr lang="zh-CN" altLang="en-US" dirty="0" smtClean="0"/>
+              <a:t>的数据存取过程对于</a:t>
+            </a:r>
+            <a:r>
+              <a:rPr lang="en-US" altLang="zh-CN" dirty="0" err="1" smtClean="0"/>
+              <a:t>mongoDB</a:t>
+            </a:r>
+            <a:r>
+              <a:rPr lang="zh-CN" altLang="en-US" dirty="0" smtClean="0"/>
+              <a:t>本身是透明的，当然对于普通用户的使用也是透明的</a:t>
+            </a:r>
+            <a:endParaRPr lang="en-US" altLang="zh-CN" dirty="0" smtClean="0"/>
+          </a:p>
+          <a:p>
+            <a:r>
+              <a:rPr lang="zh-CN" altLang="en-US" sz="900" dirty="0" smtClean="0">
+                <a:solidFill>
+                  <a:schemeClr val="bg1"/>
+                </a:solidFill>
+                <a:latin typeface="宋体" panose="02010600030101010101" pitchFamily="2" charset="-122"/>
+                <a:ea typeface="宋体" panose="02010600030101010101" pitchFamily="2" charset="-122"/>
+              </a:rPr>
+              <a:t>本质上，</a:t>
+            </a:r>
+            <a:r>
+              <a:rPr lang="en-US" altLang="zh-CN" sz="900" dirty="0" err="1" smtClean="0">
+                <a:solidFill>
+                  <a:schemeClr val="bg1"/>
+                </a:solidFill>
+                <a:latin typeface="宋体" panose="02010600030101010101" pitchFamily="2" charset="-122"/>
+                <a:ea typeface="宋体" panose="02010600030101010101" pitchFamily="2" charset="-122"/>
+              </a:rPr>
+              <a:t>MongoDB</a:t>
+            </a:r>
+            <a:r>
+              <a:rPr lang="zh-CN" altLang="en-US" sz="900" dirty="0" smtClean="0">
+                <a:solidFill>
+                  <a:schemeClr val="bg1"/>
+                </a:solidFill>
+                <a:latin typeface="宋体" panose="02010600030101010101" pitchFamily="2" charset="-122"/>
+                <a:ea typeface="宋体" panose="02010600030101010101" pitchFamily="2" charset="-122"/>
+              </a:rPr>
+              <a:t>只定义了把大文件分割小文件的机制，具体的实现有驱动来实现</a:t>
+            </a:r>
+            <a:endParaRPr lang="en-US" altLang="zh-CN" dirty="0" smtClean="0"/>
+          </a:p>
+          <a:p>
+            <a:r>
+              <a:rPr lang="zh-CN" altLang="en-US" dirty="0" smtClean="0"/>
+              <a:t>存储时，分割数据块，下载时合并数据块，使用者不需要知道内部实现细节，</a:t>
+            </a:r>
+            <a:r>
+              <a:rPr lang="en-US" altLang="zh-CN" sz="900" dirty="0" err="1" smtClean="0">
+                <a:solidFill>
+                  <a:schemeClr val="bg1"/>
+                </a:solidFill>
+                <a:latin typeface="宋体" panose="02010600030101010101" pitchFamily="2" charset="-122"/>
+                <a:ea typeface="宋体" panose="02010600030101010101" pitchFamily="2" charset="-122"/>
+              </a:rPr>
+              <a:t>GridFS</a:t>
+            </a:r>
+            <a:r>
+              <a:rPr lang="zh-CN" altLang="en-US" dirty="0" smtClean="0"/>
+              <a:t>充分体现了</a:t>
+            </a:r>
+            <a:r>
+              <a:rPr lang="en-US" altLang="zh-CN" dirty="0" err="1" smtClean="0"/>
+              <a:t>mongoDB</a:t>
+            </a:r>
+            <a:r>
+              <a:rPr lang="zh-CN" altLang="en-US" dirty="0" smtClean="0"/>
+              <a:t>设计的无为之道的设计哲学，尽可能把服务器的逻辑交给客户端负责。</a:t>
+            </a:r>
+            <a:endParaRPr lang="en-US" altLang="zh-CN" dirty="0" smtClean="0"/>
+          </a:p>
+          <a:p>
+            <a:r>
+              <a:rPr lang="zh-CN" altLang="en-US" dirty="0" smtClean="0"/>
+              <a:t>精简的设计，从用户角度来说，提高了程序的灵活性；因为应用层比存储层更容易扩展程序</a:t>
+            </a:r>
+            <a:endParaRPr lang="en-US" altLang="zh-CN" dirty="0" smtClean="0"/>
+          </a:p>
+          <a:p>
+            <a:r>
+              <a:rPr lang="zh-CN" altLang="en-US" dirty="0" smtClean="0"/>
+              <a:t>从服务器端，简化了服务端的处理流程，提高了系统的稳定性和数据存储效率</a:t>
+            </a:r>
+            <a:endParaRPr lang="en-US" altLang="zh-CN" dirty="0" smtClean="0"/>
+          </a:p>
+          <a:p>
             <a:endParaRPr lang="zh-CN" altLang="en-US" dirty="0"/>
           </a:p>
         </p:txBody>
@@ -1055,7 +2151,7 @@
     </p:spTree>
     <p:extLst>
       <p:ext uri="{BB962C8B-B14F-4D97-AF65-F5344CB8AC3E}">
-        <p14:creationId xmlns:p14="http://schemas.microsoft.com/office/powerpoint/2010/main" val="1823197855"/>
+        <p14:creationId xmlns:p14="http://schemas.microsoft.com/office/powerpoint/2010/main" val="2012354171"/>
       </p:ext>
     </p:extLst>
   </p:cSld>
@@ -1109,6 +2205,44 @@
           <a:bodyPr/>
           <a:lstStyle/>
           <a:p>
+            <a:r>
+              <a:rPr lang="zh-CN" altLang="en-US" dirty="0" smtClean="0"/>
+              <a:t>属性：类型，别名，其他辅助信息</a:t>
+            </a:r>
+            <a:endParaRPr lang="en-US" altLang="zh-CN" dirty="0" smtClean="0"/>
+          </a:p>
+          <a:p>
+            <a:r>
+              <a:rPr lang="en-US" altLang="zh-CN" dirty="0" err="1" smtClean="0"/>
+              <a:t>fs.files</a:t>
+            </a:r>
+            <a:r>
+              <a:rPr lang="en-US" altLang="zh-CN" dirty="0" smtClean="0"/>
+              <a:t>:</a:t>
+            </a:r>
+            <a:r>
+              <a:rPr lang="zh-CN" altLang="en-US" dirty="0" smtClean="0"/>
+              <a:t>文件名，文件类型，开发者所需要的可选信息</a:t>
+            </a:r>
+            <a:endParaRPr lang="en-US" altLang="zh-CN" dirty="0" smtClean="0"/>
+          </a:p>
+          <a:p>
+            <a:r>
+              <a:rPr lang="en-US" altLang="zh-CN" dirty="0" err="1" smtClean="0"/>
+              <a:t>fs.chunks</a:t>
+            </a:r>
+            <a:r>
+              <a:rPr lang="zh-CN" altLang="en-US" dirty="0" smtClean="0"/>
+              <a:t>：存储数据块 </a:t>
+            </a:r>
+            <a:r>
+              <a:rPr lang="en-US" altLang="zh-CN" dirty="0" smtClean="0"/>
+              <a:t>255K</a:t>
+            </a:r>
+            <a:r>
+              <a:rPr lang="zh-CN" altLang="en-US" dirty="0" smtClean="0"/>
+              <a:t>默认</a:t>
+            </a:r>
             <a:endParaRPr lang="zh-CN" altLang="en-US" dirty="0"/>
           </a:p>
         </p:txBody>
@@ -1116,7 +2250,7 @@
     </p:spTree>
     <p:extLst>
       <p:ext uri="{BB962C8B-B14F-4D97-AF65-F5344CB8AC3E}">
-        <p14:creationId xmlns:p14="http://schemas.microsoft.com/office/powerpoint/2010/main" val="3685669530"/>
+        <p14:creationId xmlns:p14="http://schemas.microsoft.com/office/powerpoint/2010/main" val="1823197855"/>
       </p:ext>
     </p:extLst>
   </p:cSld>
@@ -1170,6 +2304,59 @@
           <a:bodyPr/>
           <a:lstStyle/>
           <a:p>
+            <a:r>
+              <a:rPr lang="zh-CN" altLang="en-US" dirty="0" smtClean="0"/>
+              <a:t>前</a:t>
+            </a:r>
+            <a:r>
+              <a:rPr lang="en-US" altLang="zh-CN" dirty="0" smtClean="0"/>
+              <a:t>6</a:t>
+            </a:r>
+            <a:r>
+              <a:rPr lang="zh-CN" altLang="en-US" dirty="0" smtClean="0"/>
+              <a:t>个会被自动赋值，文件存储时，被客户端自动赋值</a:t>
+            </a:r>
+            <a:endParaRPr lang="en-US" altLang="zh-CN" dirty="0" smtClean="0"/>
+          </a:p>
+          <a:p>
+            <a:r>
+              <a:rPr lang="zh-CN" altLang="en-US" dirty="0" smtClean="0"/>
+              <a:t>后面几个是可选字段</a:t>
+            </a:r>
+            <a:endParaRPr lang="en-US" altLang="zh-CN" dirty="0" smtClean="0"/>
+          </a:p>
+          <a:p>
+            <a:r>
+              <a:rPr lang="en-US" altLang="zh-CN" dirty="0" err="1" smtClean="0"/>
+              <a:t>contentType</a:t>
+            </a:r>
+            <a:r>
+              <a:rPr lang="zh-CN" altLang="en-US" dirty="0" smtClean="0"/>
+              <a:t>，表示文件的</a:t>
+            </a:r>
+            <a:r>
+              <a:rPr lang="en-US" altLang="zh-CN" dirty="0" smtClean="0"/>
+              <a:t>mime</a:t>
+            </a:r>
+            <a:r>
+              <a:rPr lang="zh-CN" altLang="en-US" dirty="0" smtClean="0"/>
+              <a:t>类型</a:t>
+            </a:r>
+            <a:endParaRPr lang="en-US" altLang="zh-CN" dirty="0" smtClean="0"/>
+          </a:p>
+          <a:p>
+            <a:r>
+              <a:rPr lang="en-US" altLang="zh-CN" dirty="0" err="1" smtClean="0"/>
+              <a:t>metaData</a:t>
+            </a:r>
+            <a:r>
+              <a:rPr lang="zh-CN" altLang="en-US" baseline="0" dirty="0" smtClean="0"/>
+              <a:t> 表示</a:t>
+            </a:r>
+            <a:r>
+              <a:rPr lang="zh-CN" altLang="en-US" dirty="0" smtClean="0"/>
+              <a:t>额外的辅助信息</a:t>
+            </a:r>
             <a:endParaRPr lang="zh-CN" altLang="en-US" dirty="0"/>
           </a:p>
         </p:txBody>
@@ -1177,7 +2364,100 @@
     </p:spTree>
     <p:extLst>
       <p:ext uri="{BB962C8B-B14F-4D97-AF65-F5344CB8AC3E}">
-        <p14:creationId xmlns:p14="http://schemas.microsoft.com/office/powerpoint/2010/main" val="3685669530"/>
+        <p14:creationId xmlns:p14="http://schemas.microsoft.com/office/powerpoint/2010/main" val="1480179076"/>
+      </p:ext>
+    </p:extLst>
+  </p:cSld>
+  <p:clrMapOvr>
+    <a:masterClrMapping/>
+  </p:clrMapOvr>
+</p:notes>
+</file>
+
+<file path=ppt/notesSlides/notesSlide9.xml><?xml version="1.0" encoding="utf-8"?>
+<p:notes xmlns:a="http://schemas.openxmlformats.org/drawingml/2006/main" xmlns:r="http://schemas.openxmlformats.org/officeDocument/2006/relationships" xmlns:p="http://schemas.openxmlformats.org/presentationml/2006/main">
+  <p:cSld>
+    <p:spTree>
+      <p:nvGrpSpPr>
+        <p:cNvPr id="1" name=""/>
+        <p:cNvGrpSpPr/>
+        <p:nvPr/>
+      </p:nvGrpSpPr>
+      <p:grpSpPr>
+        <a:xfrm>
+          <a:off x="0" y="0"/>
+          <a:ext cx="0" cy="0"/>
+          <a:chOff x="0" y="0"/>
+          <a:chExt cx="0" cy="0"/>
+        </a:xfrm>
+      </p:grpSpPr>
+      <p:sp>
+        <p:nvSpPr>
+          <p:cNvPr id="2" name="幻灯片图像占位符 1"/>
+          <p:cNvSpPr>
+            <a:spLocks noGrp="1" noRot="1" noChangeAspect="1"/>
+          </p:cNvSpPr>
+          <p:nvPr>
+            <p:ph type="sldImg"/>
+          </p:nvPr>
+        </p:nvSpPr>
+        <p:spPr/>
+      </p:sp>
+      <p:sp>
+        <p:nvSpPr>
+          <p:cNvPr id="3" name="备注占位符 2"/>
+          <p:cNvSpPr>
+            <a:spLocks noGrp="1"/>
+          </p:cNvSpPr>
+          <p:nvPr>
+            <p:ph type="body" idx="1"/>
+          </p:nvPr>
+        </p:nvSpPr>
+        <p:spPr/>
+        <p:txBody>
+          <a:bodyPr/>
+          <a:lstStyle/>
+          <a:p>
+            <a:r>
+              <a:rPr lang="zh-CN" altLang="en-US" dirty="0" smtClean="0"/>
+              <a:t>为了加快检索速度，</a:t>
+            </a:r>
+            <a:r>
+              <a:rPr lang="en-US" altLang="zh-CN" dirty="0" err="1" smtClean="0"/>
+              <a:t>mDB</a:t>
+            </a:r>
+            <a:r>
+              <a:rPr lang="en-US" altLang="zh-CN" baseline="0" dirty="0" smtClean="0"/>
+              <a:t> </a:t>
+            </a:r>
+            <a:r>
+              <a:rPr lang="en-US" altLang="zh-CN" baseline="0" dirty="0" err="1" smtClean="0"/>
+              <a:t>filed_id</a:t>
+            </a:r>
+            <a:r>
+              <a:rPr lang="zh-CN" altLang="en-US" baseline="0" dirty="0" smtClean="0"/>
+              <a:t>和</a:t>
+            </a:r>
+            <a:r>
+              <a:rPr lang="en-US" altLang="zh-CN" baseline="0" dirty="0" smtClean="0"/>
+              <a:t>ns</a:t>
+            </a:r>
+            <a:r>
+              <a:rPr lang="zh-CN" altLang="en-US" baseline="0" dirty="0" smtClean="0"/>
+              <a:t>上</a:t>
+            </a:r>
+            <a:r>
+              <a:rPr lang="zh-CN" altLang="en-US" dirty="0" smtClean="0"/>
+              <a:t>会创建复合索引</a:t>
+            </a:r>
+            <a:endParaRPr lang="zh-CN" altLang="en-US" dirty="0"/>
+          </a:p>
+        </p:txBody>
+      </p:sp>
+    </p:spTree>
+    <p:extLst>
+      <p:ext uri="{BB962C8B-B14F-4D97-AF65-F5344CB8AC3E}">
+        <p14:creationId xmlns:p14="http://schemas.microsoft.com/office/powerpoint/2010/main" val="4276389464"/>
       </p:ext>
     </p:extLst>
   </p:cSld>
@@ -1914,7 +3194,7 @@
           <a:p>
             <a:fld id="{530820CF-B880-4189-942D-D702A7CBA730}" type="datetimeFigureOut">
               <a:rPr lang="zh-CN" altLang="en-US" smtClean="0"/>
-              <a:t>2019/3/13</a:t>
+              <a:t>2019/5/21</a:t>
             </a:fld>
             <a:endParaRPr lang="zh-CN" altLang="en-US"/>
           </a:p>
@@ -2086,7 +3366,7 @@
           </a:ln>
           <a:extLst>
             <a:ext uri="{C572A759-6A51-4108-AA02-DFA0A04FC94B}">
-              <ma14:wrappingTextBoxFlag xmlns="" xmlns:ma14="http://schemas.microsoft.com/office/mac/drawingml/2011/main" val="1"/>
+              <ma14:wrappingTextBoxFlag xmlns:ma14="http://schemas.microsoft.com/office/mac/drawingml/2011/main" xmlns="" val="1"/>
             </a:ext>
           </a:extLst>
         </p:spPr>
@@ -2142,7 +3422,7 @@
           </a:ln>
           <a:extLst>
             <a:ext uri="{C572A759-6A51-4108-AA02-DFA0A04FC94B}">
-              <ma14:wrappingTextBoxFlag xmlns="" xmlns:ma14="http://schemas.microsoft.com/office/mac/drawingml/2011/main" val="1"/>
+              <ma14:wrappingTextBoxFlag xmlns:ma14="http://schemas.microsoft.com/office/mac/drawingml/2011/main" xmlns="" val="1"/>
             </a:ext>
           </a:extLst>
         </p:spPr>
@@ -3402,6 +4682,13 @@
       </p:transition>
     </mc:Fallback>
   </mc:AlternateContent>
+  <p:timing>
+    <p:tnLst>
+      <p:par>
+        <p:cTn id="1" dur="indefinite" restart="never" nodeType="tmRoot"/>
+      </p:par>
+    </p:tnLst>
+  </p:timing>
 </p:sld>
 </file>
 
@@ -3720,6 +5007,13 @@
       </p:transition>
     </mc:Fallback>
   </mc:AlternateContent>
+  <p:timing>
+    <p:tnLst>
+      <p:par>
+        <p:cTn id="1" dur="indefinite" restart="never" nodeType="tmRoot"/>
+      </p:par>
+    </p:tnLst>
+  </p:timing>
 </p:sld>
 </file>
 
@@ -3876,7 +5170,7 @@
             <a:r>
               <a:rPr lang="en-US" altLang="zh-CN" sz="2800" dirty="0" err="1" smtClean="0">
                 <a:solidFill>
-                  <a:schemeClr val="bg1"/>
+                  <a:srgbClr val="FF0000"/>
                 </a:solidFill>
                 <a:latin typeface="宋体" panose="02010600030101010101" pitchFamily="2" charset="-122"/>
                 <a:ea typeface="宋体" panose="02010600030101010101" pitchFamily="2" charset="-122"/>
@@ -3886,7 +5180,7 @@
             <a:r>
               <a:rPr lang="zh-CN" altLang="en-US" sz="2800" dirty="0" smtClean="0">
                 <a:solidFill>
-                  <a:schemeClr val="bg1"/>
+                  <a:srgbClr val="FF0000"/>
                 </a:solidFill>
                 <a:latin typeface="宋体" panose="02010600030101010101" pitchFamily="2" charset="-122"/>
                 <a:ea typeface="宋体" panose="02010600030101010101" pitchFamily="2" charset="-122"/>
@@ -3895,7 +5189,7 @@
             </a:r>
             <a:endParaRPr lang="en-US" altLang="zh-CN" sz="2800" dirty="0" smtClean="0">
               <a:solidFill>
-                <a:schemeClr val="bg1"/>
+                <a:srgbClr val="FF0000"/>
               </a:solidFill>
               <a:latin typeface="宋体" panose="02010600030101010101" pitchFamily="2" charset="-122"/>
               <a:ea typeface="宋体" panose="02010600030101010101" pitchFamily="2" charset="-122"/>
@@ -4183,6 +5477,13 @@
       </p:transition>
     </mc:Fallback>
   </mc:AlternateContent>
+  <p:timing>
+    <p:tnLst>
+      <p:par>
+        <p:cTn id="1" dur="indefinite" restart="never" nodeType="tmRoot"/>
+      </p:par>
+    </p:tnLst>
+  </p:timing>
 </p:sld>
 </file>
 
@@ -4430,7 +5731,7 @@
               <a:t>下载文件：</a:t>
             </a:r>
             <a:r>
-              <a:rPr lang="en-US" altLang="zh-CN" sz="2400" dirty="0" err="1">
+              <a:rPr lang="en-US" altLang="zh-CN" sz="2400" dirty="0" err="1" smtClean="0">
                 <a:solidFill>
                   <a:schemeClr val="bg1"/>
                 </a:solidFill>
@@ -4440,7 +5741,7 @@
               <a:t>mongofiles</a:t>
             </a:r>
             <a:r>
-              <a:rPr lang="en-US" altLang="zh-CN" sz="2400" dirty="0">
+              <a:rPr lang="en-US" altLang="zh-CN" sz="2400" dirty="0" smtClean="0">
                 <a:solidFill>
                   <a:schemeClr val="bg1"/>
                 </a:solidFill>
@@ -4450,7 +5751,7 @@
               <a:t>  -d </a:t>
             </a:r>
             <a:r>
-              <a:rPr lang="en-US" altLang="zh-CN" sz="2400" dirty="0" err="1">
+              <a:rPr lang="en-US" altLang="zh-CN" sz="2400" dirty="0" err="1" smtClean="0">
                 <a:solidFill>
                   <a:schemeClr val="bg1"/>
                 </a:solidFill>
@@ -4460,16 +5761,6 @@
               <a:t>gfs</a:t>
             </a:r>
             <a:r>
-              <a:rPr lang="en-US" altLang="zh-CN" sz="2400" dirty="0">
-                <a:solidFill>
-                  <a:schemeClr val="bg1"/>
-                </a:solidFill>
-                <a:latin typeface="宋体" panose="02010600030101010101" pitchFamily="2" charset="-122"/>
-                <a:ea typeface="宋体" panose="02010600030101010101" pitchFamily="2" charset="-122"/>
-              </a:rPr>
-              <a:t> </a:t>
-            </a:r>
-            <a:r>
               <a:rPr lang="en-US" altLang="zh-CN" sz="2400" dirty="0" smtClean="0">
                 <a:solidFill>
                   <a:schemeClr val="bg1"/>
@@ -4477,7 +5768,7 @@
                 <a:latin typeface="宋体" panose="02010600030101010101" pitchFamily="2" charset="-122"/>
                 <a:ea typeface="宋体" panose="02010600030101010101" pitchFamily="2" charset="-122"/>
               </a:rPr>
-              <a:t>list</a:t>
+              <a:t> get </a:t>
             </a:r>
           </a:p>
           <a:p>
@@ -4782,6 +6073,13 @@
       </p:transition>
     </mc:Fallback>
   </mc:AlternateContent>
+  <p:timing>
+    <p:tnLst>
+      <p:par>
+        <p:cTn id="1" dur="indefinite" restart="never" nodeType="tmRoot"/>
+      </p:par>
+    </p:tnLst>
+  </p:timing>
 </p:sld>
 </file>
 
@@ -5113,6 +6411,13 @@
       </p:transition>
     </mc:Fallback>
   </mc:AlternateContent>
+  <p:timing>
+    <p:tnLst>
+      <p:par>
+        <p:cTn id="1" dur="indefinite" restart="never" nodeType="tmRoot"/>
+      </p:par>
+    </p:tnLst>
+  </p:timing>
 </p:sld>
 </file>
 
@@ -5509,6 +6814,13 @@
       </p:transition>
     </mc:Fallback>
   </mc:AlternateContent>
+  <p:timing>
+    <p:tnLst>
+      <p:par>
+        <p:cTn id="1" dur="indefinite" restart="never" nodeType="tmRoot"/>
+      </p:par>
+    </p:tnLst>
+  </p:timing>
 </p:sld>
 </file>
 
@@ -6079,6 +7391,13 @@
       </p:transition>
     </mc:Fallback>
   </mc:AlternateContent>
+  <p:timing>
+    <p:tnLst>
+      <p:par>
+        <p:cTn id="1" dur="indefinite" restart="never" nodeType="tmRoot"/>
+      </p:par>
+    </p:tnLst>
+  </p:timing>
 </p:sld>
 </file>
 
@@ -6257,6 +7576,13 @@
       </p:transition>
     </mc:Fallback>
   </mc:AlternateContent>
+  <p:timing>
+    <p:tnLst>
+      <p:par>
+        <p:cTn id="1" dur="indefinite" restart="never" nodeType="tmRoot"/>
+      </p:par>
+    </p:tnLst>
+  </p:timing>
 </p:sld>
 </file>
 
@@ -6392,6 +7718,13 @@
       </p:transition>
     </mc:Fallback>
   </mc:AlternateContent>
+  <p:timing>
+    <p:tnLst>
+      <p:par>
+        <p:cTn id="1" dur="indefinite" restart="never" nodeType="tmRoot"/>
+      </p:par>
+    </p:tnLst>
+  </p:timing>
 </p:sld>
 </file>
 
@@ -6508,7 +7841,7 @@
             <a:r>
               <a:rPr lang="en-US" altLang="zh-CN" sz="2800" dirty="0" err="1" smtClean="0">
                 <a:solidFill>
-                  <a:schemeClr val="bg1"/>
+                  <a:srgbClr val="FF0000"/>
                 </a:solidFill>
                 <a:latin typeface="宋体" panose="02010600030101010101" pitchFamily="2" charset="-122"/>
                 <a:ea typeface="宋体" panose="02010600030101010101" pitchFamily="2" charset="-122"/>
@@ -6518,7 +7851,7 @@
             <a:r>
               <a:rPr lang="zh-CN" altLang="en-US" sz="2800" dirty="0" smtClean="0">
                 <a:solidFill>
-                  <a:schemeClr val="bg1"/>
+                  <a:srgbClr val="FF0000"/>
                 </a:solidFill>
                 <a:latin typeface="宋体" panose="02010600030101010101" pitchFamily="2" charset="-122"/>
                 <a:ea typeface="宋体" panose="02010600030101010101" pitchFamily="2" charset="-122"/>
@@ -6527,7 +7860,7 @@
             </a:r>
             <a:endParaRPr lang="en-US" altLang="zh-CN" sz="2800" dirty="0">
               <a:solidFill>
-                <a:schemeClr val="bg1"/>
+                <a:srgbClr val="FF0000"/>
               </a:solidFill>
               <a:latin typeface="宋体" panose="02010600030101010101" pitchFamily="2" charset="-122"/>
               <a:ea typeface="宋体" panose="02010600030101010101" pitchFamily="2" charset="-122"/>
@@ -6943,6 +8276,13 @@
       </p:transition>
     </mc:Fallback>
   </mc:AlternateContent>
+  <p:timing>
+    <p:tnLst>
+      <p:par>
+        <p:cTn id="1" dur="indefinite" restart="never" nodeType="tmRoot"/>
+      </p:par>
+    </p:tnLst>
+  </p:timing>
 </p:sld>
 </file>
 
@@ -7083,6 +8423,13 @@
       </p:transition>
     </mc:Fallback>
   </mc:AlternateContent>
+  <p:timing>
+    <p:tnLst>
+      <p:par>
+        <p:cTn id="1" dur="indefinite" restart="never" nodeType="tmRoot"/>
+      </p:par>
+    </p:tnLst>
+  </p:timing>
 </p:sld>
 </file>
 
@@ -7198,9 +8545,9 @@
               <a:t>用两个集合来存储一个文件：</a:t>
             </a:r>
             <a:r>
-              <a:rPr lang="en-US" altLang="zh-CN" sz="2400" dirty="0" err="1">
-                <a:solidFill>
-                  <a:schemeClr val="bg1"/>
+              <a:rPr lang="en-US" altLang="zh-CN" sz="2400" b="1" dirty="0" err="1">
+                <a:solidFill>
+                  <a:srgbClr val="FF0000"/>
                 </a:solidFill>
                 <a:latin typeface="宋体" panose="02010600030101010101" pitchFamily="2" charset="-122"/>
                 <a:ea typeface="宋体" panose="02010600030101010101" pitchFamily="2" charset="-122"/>
@@ -7208,9 +8555,9 @@
               <a:t>fs.files</a:t>
             </a:r>
             <a:r>
-              <a:rPr lang="zh-CN" altLang="en-US" sz="2400" dirty="0">
-                <a:solidFill>
-                  <a:schemeClr val="bg1"/>
+              <a:rPr lang="zh-CN" altLang="en-US" sz="2400" b="1" dirty="0">
+                <a:solidFill>
+                  <a:srgbClr val="FF0000"/>
                 </a:solidFill>
                 <a:latin typeface="宋体" panose="02010600030101010101" pitchFamily="2" charset="-122"/>
                 <a:ea typeface="宋体" panose="02010600030101010101" pitchFamily="2" charset="-122"/>
@@ -7218,9 +8565,9 @@
               <a:t>与</a:t>
             </a:r>
             <a:r>
-              <a:rPr lang="en-US" altLang="zh-CN" sz="2400" dirty="0" err="1">
-                <a:solidFill>
-                  <a:schemeClr val="bg1"/>
+              <a:rPr lang="en-US" altLang="zh-CN" sz="2400" b="1" dirty="0" err="1">
+                <a:solidFill>
+                  <a:srgbClr val="FF0000"/>
                 </a:solidFill>
                 <a:latin typeface="宋体" panose="02010600030101010101" pitchFamily="2" charset="-122"/>
                 <a:ea typeface="宋体" panose="02010600030101010101" pitchFamily="2" charset="-122"/>
@@ -7611,6 +8958,13 @@
       </p:transition>
     </mc:Fallback>
   </mc:AlternateContent>
+  <p:timing>
+    <p:tnLst>
+      <p:par>
+        <p:cTn id="1" dur="indefinite" restart="never" nodeType="tmRoot"/>
+      </p:par>
+    </p:tnLst>
+  </p:timing>
 </p:sld>
 </file>
 
@@ -8147,7 +9501,7 @@
   <a:extraClrSchemeLst/>
   <a:extLst>
     <a:ext uri="{05A4C25C-085E-4340-85A3-A5531E510DB2}">
-      <thm15:themeFamily xmlns="" xmlns:thm15="http://schemas.microsoft.com/office/thememl/2012/main" name="PPT模板V2-Windows-PowerPoint-PPT.potx" id="{20762C19-B23E-4BEB-93D1-C3851CE18177}" vid="{DBA93716-93B0-4C40-BF2A-3EFAFA21AD83}"/>
+      <thm15:themeFamily xmlns:thm15="http://schemas.microsoft.com/office/thememl/2012/main" xmlns="" name="PPT模板V2-Windows-PowerPoint-PPT.potx" id="{20762C19-B23E-4BEB-93D1-C3851CE18177}" vid="{DBA93716-93B0-4C40-BF2A-3EFAFA21AD83}"/>
     </a:ext>
   </a:extLst>
 </a:theme>
@@ -9477,7 +10831,7 @@
   <a:extraClrSchemeLst/>
   <a:extLst>
     <a:ext uri="{05A4C25C-085E-4340-85A3-A5531E510DB2}">
-      <thm15:themeFamily xmlns="" xmlns:thm15="http://schemas.microsoft.com/office/thememl/2012/main" name="Office Theme" id="{62F939B6-93AF-4DB8-9C6B-D6C7DFDC589F}" vid="{4A3C46E8-61CC-4603-A589-7422A47A8E4A}"/>
+      <thm15:themeFamily xmlns:thm15="http://schemas.microsoft.com/office/thememl/2012/main" xmlns="" name="Office Theme" id="{62F939B6-93AF-4DB8-9C6B-D6C7DFDC589F}" vid="{4A3C46E8-61CC-4603-A589-7422A47A8E4A}"/>
     </a:ext>
   </a:extLst>
 </a:theme>
